--- a/design/makarovDesign.pptx
+++ b/design/makarovDesign.pptx
@@ -225,7 +225,7 @@
           <a:p>
             <a:fld id="{3CDD5C32-6B22-4025-99E9-A70F86511464}" type="datetimeFigureOut">
               <a:rPr lang="zh-CN" altLang="en-US" smtClean="0"/>
-              <a:t>2015/9/18</a:t>
+              <a:t>2015/10/4</a:t>
             </a:fld>
             <a:endParaRPr lang="zh-CN" altLang="en-US"/>
           </a:p>
@@ -792,7 +792,7 @@
           <a:p>
             <a:fld id="{B5BF41CA-BB3D-48B5-8A53-7234D0B612B4}" type="datetimeFigureOut">
               <a:rPr lang="zh-CN" altLang="en-US" smtClean="0"/>
-              <a:t>2015/9/18</a:t>
+              <a:t>2015/10/4</a:t>
             </a:fld>
             <a:endParaRPr lang="zh-CN" altLang="en-US"/>
           </a:p>
@@ -962,7 +962,7 @@
           <a:p>
             <a:fld id="{B5BF41CA-BB3D-48B5-8A53-7234D0B612B4}" type="datetimeFigureOut">
               <a:rPr lang="zh-CN" altLang="en-US" smtClean="0"/>
-              <a:t>2015/9/18</a:t>
+              <a:t>2015/10/4</a:t>
             </a:fld>
             <a:endParaRPr lang="zh-CN" altLang="en-US"/>
           </a:p>
@@ -1142,7 +1142,7 @@
           <a:p>
             <a:fld id="{B5BF41CA-BB3D-48B5-8A53-7234D0B612B4}" type="datetimeFigureOut">
               <a:rPr lang="zh-CN" altLang="en-US" smtClean="0"/>
-              <a:t>2015/9/18</a:t>
+              <a:t>2015/10/4</a:t>
             </a:fld>
             <a:endParaRPr lang="zh-CN" altLang="en-US"/>
           </a:p>
@@ -1312,7 +1312,7 @@
           <a:p>
             <a:fld id="{B5BF41CA-BB3D-48B5-8A53-7234D0B612B4}" type="datetimeFigureOut">
               <a:rPr lang="zh-CN" altLang="en-US" smtClean="0"/>
-              <a:t>2015/9/18</a:t>
+              <a:t>2015/10/4</a:t>
             </a:fld>
             <a:endParaRPr lang="zh-CN" altLang="en-US"/>
           </a:p>
@@ -1556,7 +1556,7 @@
           <a:p>
             <a:fld id="{B5BF41CA-BB3D-48B5-8A53-7234D0B612B4}" type="datetimeFigureOut">
               <a:rPr lang="zh-CN" altLang="en-US" smtClean="0"/>
-              <a:t>2015/9/18</a:t>
+              <a:t>2015/10/4</a:t>
             </a:fld>
             <a:endParaRPr lang="zh-CN" altLang="en-US"/>
           </a:p>
@@ -1788,7 +1788,7 @@
           <a:p>
             <a:fld id="{B5BF41CA-BB3D-48B5-8A53-7234D0B612B4}" type="datetimeFigureOut">
               <a:rPr lang="zh-CN" altLang="en-US" smtClean="0"/>
-              <a:t>2015/9/18</a:t>
+              <a:t>2015/10/4</a:t>
             </a:fld>
             <a:endParaRPr lang="zh-CN" altLang="en-US"/>
           </a:p>
@@ -2155,7 +2155,7 @@
           <a:p>
             <a:fld id="{B5BF41CA-BB3D-48B5-8A53-7234D0B612B4}" type="datetimeFigureOut">
               <a:rPr lang="zh-CN" altLang="en-US" smtClean="0"/>
-              <a:t>2015/9/18</a:t>
+              <a:t>2015/10/4</a:t>
             </a:fld>
             <a:endParaRPr lang="zh-CN" altLang="en-US"/>
           </a:p>
@@ -2273,7 +2273,7 @@
           <a:p>
             <a:fld id="{B5BF41CA-BB3D-48B5-8A53-7234D0B612B4}" type="datetimeFigureOut">
               <a:rPr lang="zh-CN" altLang="en-US" smtClean="0"/>
-              <a:t>2015/9/18</a:t>
+              <a:t>2015/10/4</a:t>
             </a:fld>
             <a:endParaRPr lang="zh-CN" altLang="en-US"/>
           </a:p>
@@ -2368,7 +2368,7 @@
           <a:p>
             <a:fld id="{B5BF41CA-BB3D-48B5-8A53-7234D0B612B4}" type="datetimeFigureOut">
               <a:rPr lang="zh-CN" altLang="en-US" smtClean="0"/>
-              <a:t>2015/9/18</a:t>
+              <a:t>2015/10/4</a:t>
             </a:fld>
             <a:endParaRPr lang="zh-CN" altLang="en-US"/>
           </a:p>
@@ -2645,7 +2645,7 @@
           <a:p>
             <a:fld id="{B5BF41CA-BB3D-48B5-8A53-7234D0B612B4}" type="datetimeFigureOut">
               <a:rPr lang="zh-CN" altLang="en-US" smtClean="0"/>
-              <a:t>2015/9/18</a:t>
+              <a:t>2015/10/4</a:t>
             </a:fld>
             <a:endParaRPr lang="zh-CN" altLang="en-US"/>
           </a:p>
@@ -2902,7 +2902,7 @@
           <a:p>
             <a:fld id="{B5BF41CA-BB3D-48B5-8A53-7234D0B612B4}" type="datetimeFigureOut">
               <a:rPr lang="zh-CN" altLang="en-US" smtClean="0"/>
-              <a:t>2015/9/18</a:t>
+              <a:t>2015/10/4</a:t>
             </a:fld>
             <a:endParaRPr lang="zh-CN" altLang="en-US"/>
           </a:p>
@@ -3115,7 +3115,7 @@
           <a:p>
             <a:fld id="{B5BF41CA-BB3D-48B5-8A53-7234D0B612B4}" type="datetimeFigureOut">
               <a:rPr lang="zh-CN" altLang="en-US" smtClean="0"/>
-              <a:t>2015/9/18</a:t>
+              <a:t>2015/10/4</a:t>
             </a:fld>
             <a:endParaRPr lang="zh-CN" altLang="en-US"/>
           </a:p>
@@ -13109,23 +13109,7 @@
                   </a:outerShdw>
                 </a:effectLst>
               </a:rPr>
-              <a:t>个主项</a:t>
-            </a:r>
-            <a:r>
-              <a:rPr lang="zh-CN" altLang="en-US" sz="3200" dirty="0" smtClean="0">
-                <a:ln w="0"/>
-                <a:solidFill>
-                  <a:schemeClr val="accent1"/>
-                </a:solidFill>
-                <a:effectLst>
-                  <a:outerShdw blurRad="38100" dist="25400" dir="5400000" algn="ctr" rotWithShape="0">
-                    <a:srgbClr val="6E747A">
-                      <a:alpha val="43000"/>
-                    </a:srgbClr>
-                  </a:outerShdw>
-                </a:effectLst>
-              </a:rPr>
-              <a:t>计划</a:t>
+              <a:t>个主项计划</a:t>
             </a:r>
             <a:endParaRPr lang="en-US" altLang="zh-CN" sz="3200" dirty="0" smtClean="0">
               <a:ln w="0"/>
@@ -13557,10 +13541,10 @@
                   </a:outerShdw>
                 </a:effectLst>
               </a:rPr>
-              <a:t>历史</a:t>
-            </a:r>
-            <a:r>
-              <a:rPr lang="zh-CN" altLang="en-US" sz="3200" dirty="0" smtClean="0">
+              <a:t>历史版本</a:t>
+            </a:r>
+            <a:r>
+              <a:rPr lang="en-US" altLang="zh-CN" sz="3200" dirty="0" smtClean="0">
                 <a:ln w="0"/>
                 <a:solidFill>
                   <a:schemeClr val="accent1"/>
@@ -13573,10 +13557,10 @@
                   </a:outerShdw>
                 </a:effectLst>
               </a:rPr>
-              <a:t>版本</a:t>
-            </a:r>
-            <a:r>
-              <a:rPr lang="en-US" altLang="zh-CN" sz="3200" dirty="0" smtClean="0">
+              <a:t>,</a:t>
+            </a:r>
+            <a:r>
+              <a:rPr lang="zh-CN" altLang="en-US" sz="3200" dirty="0" smtClean="0">
                 <a:ln w="0"/>
                 <a:solidFill>
                   <a:schemeClr val="accent1"/>
@@ -13589,10 +13573,10 @@
                   </a:outerShdw>
                 </a:effectLst>
               </a:rPr>
-              <a:t>,</a:t>
-            </a:r>
-            <a:r>
-              <a:rPr lang="zh-CN" altLang="en-US" sz="3200" dirty="0" smtClean="0">
+              <a:t>弹出框全列出</a:t>
+            </a:r>
+            <a:r>
+              <a:rPr lang="en-US" altLang="zh-CN" sz="3200" dirty="0" smtClean="0">
                 <a:ln w="0"/>
                 <a:solidFill>
                   <a:schemeClr val="accent1"/>
@@ -13605,10 +13589,10 @@
                   </a:outerShdw>
                 </a:effectLst>
               </a:rPr>
-              <a:t>弹出框全列出</a:t>
-            </a:r>
-            <a:r>
-              <a:rPr lang="en-US" altLang="zh-CN" sz="3200" dirty="0" smtClean="0">
+              <a:t>(</a:t>
+            </a:r>
+            <a:r>
+              <a:rPr lang="zh-CN" altLang="en-US" sz="3200" dirty="0" smtClean="0">
                 <a:ln w="0"/>
                 <a:solidFill>
                   <a:schemeClr val="accent1"/>
@@ -13621,10 +13605,10 @@
                   </a:outerShdw>
                 </a:effectLst>
               </a:rPr>
-              <a:t>(</a:t>
-            </a:r>
-            <a:r>
-              <a:rPr lang="zh-CN" altLang="en-US" sz="3200" dirty="0" smtClean="0">
+              <a:t>全部就全部</a:t>
+            </a:r>
+            <a:r>
+              <a:rPr lang="en-US" altLang="zh-CN" sz="3200" dirty="0" smtClean="0">
                 <a:ln w="0"/>
                 <a:solidFill>
                   <a:schemeClr val="accent1"/>
@@ -13637,10 +13621,10 @@
                   </a:outerShdw>
                 </a:effectLst>
               </a:rPr>
-              <a:t>全部就全部</a:t>
-            </a:r>
-            <a:r>
-              <a:rPr lang="en-US" altLang="zh-CN" sz="3200" dirty="0" smtClean="0">
+              <a:t>,</a:t>
+            </a:r>
+            <a:r>
+              <a:rPr lang="zh-CN" altLang="en-US" sz="3200" dirty="0" smtClean="0">
                 <a:ln w="0"/>
                 <a:solidFill>
                   <a:schemeClr val="accent1"/>
@@ -13653,10 +13637,10 @@
                   </a:outerShdw>
                 </a:effectLst>
               </a:rPr>
-              <a:t>,</a:t>
-            </a:r>
-            <a:r>
-              <a:rPr lang="zh-CN" altLang="en-US" sz="3200" dirty="0" smtClean="0">
+              <a:t>项目就项目</a:t>
+            </a:r>
+            <a:r>
+              <a:rPr lang="en-US" altLang="zh-CN" sz="3200" dirty="0" smtClean="0">
                 <a:ln w="0"/>
                 <a:solidFill>
                   <a:schemeClr val="accent1"/>
@@ -13669,10 +13653,10 @@
                   </a:outerShdw>
                 </a:effectLst>
               </a:rPr>
-              <a:t>项目就项目</a:t>
-            </a:r>
-            <a:r>
-              <a:rPr lang="en-US" altLang="zh-CN" sz="3200" dirty="0" smtClean="0">
+              <a:t>),</a:t>
+            </a:r>
+            <a:r>
+              <a:rPr lang="zh-CN" altLang="en-US" sz="3200" dirty="0" smtClean="0">
                 <a:ln w="0"/>
                 <a:solidFill>
                   <a:schemeClr val="accent1"/>
@@ -13685,10 +13669,10 @@
                   </a:outerShdw>
                 </a:effectLst>
               </a:rPr>
-              <a:t>),</a:t>
-            </a:r>
-            <a:r>
-              <a:rPr lang="zh-CN" altLang="en-US" sz="3200" dirty="0" smtClean="0">
+              <a:t>选择打开</a:t>
+            </a:r>
+            <a:r>
+              <a:rPr lang="en-US" altLang="zh-CN" sz="3200" dirty="0" smtClean="0">
                 <a:ln w="0"/>
                 <a:solidFill>
                   <a:schemeClr val="accent1"/>
@@ -13701,10 +13685,10 @@
                   </a:outerShdw>
                 </a:effectLst>
               </a:rPr>
-              <a:t>选择打开</a:t>
-            </a:r>
-            <a:r>
-              <a:rPr lang="en-US" altLang="zh-CN" sz="3200" dirty="0" smtClean="0">
+              <a:t>.</a:t>
+            </a:r>
+            <a:r>
+              <a:rPr lang="zh-CN" altLang="en-US" sz="3200" dirty="0" smtClean="0">
                 <a:ln w="0"/>
                 <a:solidFill>
                   <a:schemeClr val="accent1"/>
@@ -13717,10 +13701,10 @@
                   </a:outerShdw>
                 </a:effectLst>
               </a:rPr>
-              <a:t>.</a:t>
-            </a:r>
-            <a:r>
-              <a:rPr lang="zh-CN" altLang="en-US" sz="3200" dirty="0" smtClean="0">
+              <a:t>暂时只支持查看吧</a:t>
+            </a:r>
+            <a:r>
+              <a:rPr lang="en-US" altLang="zh-CN" sz="3200" dirty="0" smtClean="0">
                 <a:ln w="0"/>
                 <a:solidFill>
                   <a:schemeClr val="accent1"/>
@@ -13733,37 +13717,8 @@
                   </a:outerShdw>
                 </a:effectLst>
               </a:rPr>
-              <a:t>暂时只支持查看吧</a:t>
-            </a:r>
-            <a:r>
-              <a:rPr lang="en-US" altLang="zh-CN" sz="3200" dirty="0" smtClean="0">
-                <a:ln w="0"/>
-                <a:solidFill>
-                  <a:schemeClr val="accent1"/>
-                </a:solidFill>
-                <a:effectLst>
-                  <a:outerShdw blurRad="38100" dist="25400" dir="5400000" algn="ctr" rotWithShape="0">
-                    <a:srgbClr val="6E747A">
-                      <a:alpha val="43000"/>
-                    </a:srgbClr>
-                  </a:outerShdw>
-                </a:effectLst>
-              </a:rPr>
               <a:t>.</a:t>
             </a:r>
-            <a:endParaRPr lang="en-US" altLang="zh-CN" sz="3200" dirty="0" smtClean="0">
-              <a:ln w="0"/>
-              <a:solidFill>
-                <a:schemeClr val="accent1"/>
-              </a:solidFill>
-              <a:effectLst>
-                <a:outerShdw blurRad="38100" dist="25400" dir="5400000" algn="ctr" rotWithShape="0">
-                  <a:srgbClr val="6E747A">
-                    <a:alpha val="43000"/>
-                  </a:srgbClr>
-                </a:outerShdw>
-              </a:effectLst>
-            </a:endParaRPr>
           </a:p>
         </p:txBody>
       </p:sp>
@@ -14992,17 +14947,7 @@
                   </a:schemeClr>
                 </a:solidFill>
               </a:rPr>
-              <a:t>10-1 ~ 10</a:t>
-            </a:r>
-            <a:r>
-              <a:rPr lang="en-US" altLang="zh-CN" dirty="0" smtClean="0">
-                <a:solidFill>
-                  <a:schemeClr val="bg1">
-                    <a:lumMod val="50000"/>
-                  </a:schemeClr>
-                </a:solidFill>
-              </a:rPr>
-              <a:t>-5</a:t>
+              <a:t>10-1 ~ 10-5</a:t>
             </a:r>
             <a:endParaRPr lang="zh-CN" altLang="en-US" dirty="0">
               <a:solidFill>
@@ -16020,7 +15965,6 @@
               <a:rPr lang="zh-CN" altLang="en-US" dirty="0"/>
               <a:t>修改</a:t>
             </a:r>
-            <a:endParaRPr lang="zh-CN" altLang="en-US" dirty="0"/>
           </a:p>
         </p:txBody>
       </p:sp>
@@ -16048,7 +15992,7 @@
           <a:p>
             <a:r>
               <a:rPr lang="zh-CN" altLang="en-US" dirty="0" smtClean="0"/>
-              <a:t>绑定任务</a:t>
+              <a:t>关联任务</a:t>
             </a:r>
             <a:endParaRPr lang="zh-CN" altLang="en-US" dirty="0"/>
           </a:p>
@@ -16078,11 +16022,7 @@
           <a:p>
             <a:r>
               <a:rPr lang="zh-CN" altLang="en-US" dirty="0" smtClean="0"/>
-              <a:t>增加并</a:t>
-            </a:r>
-            <a:r>
-              <a:rPr lang="zh-CN" altLang="en-US" dirty="0"/>
-              <a:t>绑定</a:t>
+              <a:t>增加并关联</a:t>
             </a:r>
             <a:endParaRPr lang="zh-CN" altLang="en-US" dirty="0"/>
           </a:p>
@@ -16483,7 +16423,6 @@
               <a:rPr lang="zh-CN" altLang="en-US" u="sng" dirty="0"/>
               <a:t>类型</a:t>
             </a:r>
-            <a:endParaRPr lang="zh-CN" altLang="en-US" u="sng" dirty="0"/>
           </a:p>
         </p:txBody>
       </p:sp>
@@ -17728,7 +17667,6 @@
               <a:rPr lang="zh-CN" altLang="en-US" u="sng" dirty="0"/>
               <a:t>计划</a:t>
             </a:r>
-            <a:endParaRPr lang="zh-CN" altLang="en-US" u="sng" dirty="0"/>
           </a:p>
         </p:txBody>
       </p:sp>
@@ -30033,6 +29971,125 @@
               <a:ln w="0"/>
               <a:solidFill>
                 <a:srgbClr val="FF0000"/>
+              </a:solidFill>
+              <a:effectLst>
+                <a:outerShdw blurRad="38100" dist="25400" dir="5400000" algn="ctr" rotWithShape="0">
+                  <a:srgbClr val="6E747A">
+                    <a:alpha val="43000"/>
+                  </a:srgbClr>
+                </a:outerShdw>
+              </a:effectLst>
+            </a:endParaRPr>
+          </a:p>
+        </p:txBody>
+      </p:sp>
+      <p:cxnSp>
+        <p:nvCxnSpPr>
+          <p:cNvPr id="73" name="直接箭头连接符 72"/>
+          <p:cNvCxnSpPr/>
+          <p:nvPr/>
+        </p:nvCxnSpPr>
+        <p:spPr>
+          <a:xfrm flipV="1">
+            <a:off x="9291391" y="9744845"/>
+            <a:ext cx="1970663" cy="4260923"/>
+          </a:xfrm>
+          <a:prstGeom prst="straightConnector1">
+            <a:avLst/>
+          </a:prstGeom>
+          <a:ln w="76200">
+            <a:tailEnd type="triangle"/>
+          </a:ln>
+        </p:spPr>
+        <p:style>
+          <a:lnRef idx="1">
+            <a:schemeClr val="accent1"/>
+          </a:lnRef>
+          <a:fillRef idx="0">
+            <a:schemeClr val="accent1"/>
+          </a:fillRef>
+          <a:effectRef idx="0">
+            <a:schemeClr val="accent1"/>
+          </a:effectRef>
+          <a:fontRef idx="minor">
+            <a:schemeClr val="tx1"/>
+          </a:fontRef>
+        </p:style>
+      </p:cxnSp>
+      <p:sp>
+        <p:nvSpPr>
+          <p:cNvPr id="78" name="文本框 77"/>
+          <p:cNvSpPr txBox="1"/>
+          <p:nvPr/>
+        </p:nvSpPr>
+        <p:spPr>
+          <a:xfrm>
+            <a:off x="11309483" y="8790701"/>
+            <a:ext cx="4906718" cy="1569660"/>
+          </a:xfrm>
+          <a:prstGeom prst="rect">
+            <a:avLst/>
+          </a:prstGeom>
+          <a:noFill/>
+        </p:spPr>
+        <p:txBody>
+          <a:bodyPr wrap="square" rtlCol="0">
+            <a:spAutoFit/>
+          </a:bodyPr>
+          <a:lstStyle/>
+          <a:p>
+            <a:r>
+              <a:rPr lang="zh-CN" altLang="en-US" sz="3200" dirty="0" smtClean="0">
+                <a:ln w="0"/>
+                <a:solidFill>
+                  <a:schemeClr val="accent1"/>
+                </a:solidFill>
+                <a:effectLst>
+                  <a:outerShdw blurRad="38100" dist="25400" dir="5400000" algn="ctr" rotWithShape="0">
+                    <a:srgbClr val="6E747A">
+                      <a:alpha val="43000"/>
+                    </a:srgbClr>
+                  </a:outerShdw>
+                </a:effectLst>
+              </a:rPr>
+              <a:t>点击完成后，系统发</a:t>
+            </a:r>
+            <a:r>
+              <a:rPr lang="en-US" altLang="zh-CN" sz="3200" dirty="0" smtClean="0">
+                <a:ln w="0"/>
+                <a:solidFill>
+                  <a:schemeClr val="accent1"/>
+                </a:solidFill>
+                <a:effectLst>
+                  <a:outerShdw blurRad="38100" dist="25400" dir="5400000" algn="ctr" rotWithShape="0">
+                    <a:srgbClr val="6E747A">
+                      <a:alpha val="43000"/>
+                    </a:srgbClr>
+                  </a:outerShdw>
+                </a:effectLst>
+              </a:rPr>
+              <a:t>MSG</a:t>
+            </a:r>
+            <a:r>
+              <a:rPr lang="zh-CN" altLang="en-US" sz="3200" dirty="0" smtClean="0">
+                <a:ln w="0"/>
+                <a:solidFill>
+                  <a:schemeClr val="accent1"/>
+                </a:solidFill>
+                <a:effectLst>
+                  <a:outerShdw blurRad="38100" dist="25400" dir="5400000" algn="ctr" rotWithShape="0">
+                    <a:srgbClr val="6E747A">
+                      <a:alpha val="43000"/>
+                    </a:srgbClr>
+                  </a:outerShdw>
+                </a:effectLst>
+              </a:rPr>
+              <a:t>给项目成员，完成可以提交图片或者文档及评论</a:t>
+            </a:r>
+            <a:endParaRPr lang="zh-CN" altLang="en-US" sz="3200" dirty="0">
+              <a:ln w="0"/>
+              <a:solidFill>
+                <a:schemeClr val="accent1"/>
               </a:solidFill>
               <a:effectLst>
                 <a:outerShdw blurRad="38100" dist="25400" dir="5400000" algn="ctr" rotWithShape="0">

--- a/design/makarovDesign.pptx
+++ b/design/makarovDesign.pptx
@@ -225,7 +225,7 @@
           <a:p>
             <a:fld id="{3CDD5C32-6B22-4025-99E9-A70F86511464}" type="datetimeFigureOut">
               <a:rPr lang="zh-CN" altLang="en-US" smtClean="0"/>
-              <a:t>2015/10/4</a:t>
+              <a:t>2015/10/29</a:t>
             </a:fld>
             <a:endParaRPr lang="zh-CN" altLang="en-US"/>
           </a:p>
@@ -792,7 +792,7 @@
           <a:p>
             <a:fld id="{B5BF41CA-BB3D-48B5-8A53-7234D0B612B4}" type="datetimeFigureOut">
               <a:rPr lang="zh-CN" altLang="en-US" smtClean="0"/>
-              <a:t>2015/10/4</a:t>
+              <a:t>2015/10/29</a:t>
             </a:fld>
             <a:endParaRPr lang="zh-CN" altLang="en-US"/>
           </a:p>
@@ -962,7 +962,7 @@
           <a:p>
             <a:fld id="{B5BF41CA-BB3D-48B5-8A53-7234D0B612B4}" type="datetimeFigureOut">
               <a:rPr lang="zh-CN" altLang="en-US" smtClean="0"/>
-              <a:t>2015/10/4</a:t>
+              <a:t>2015/10/29</a:t>
             </a:fld>
             <a:endParaRPr lang="zh-CN" altLang="en-US"/>
           </a:p>
@@ -1142,7 +1142,7 @@
           <a:p>
             <a:fld id="{B5BF41CA-BB3D-48B5-8A53-7234D0B612B4}" type="datetimeFigureOut">
               <a:rPr lang="zh-CN" altLang="en-US" smtClean="0"/>
-              <a:t>2015/10/4</a:t>
+              <a:t>2015/10/29</a:t>
             </a:fld>
             <a:endParaRPr lang="zh-CN" altLang="en-US"/>
           </a:p>
@@ -1312,7 +1312,7 @@
           <a:p>
             <a:fld id="{B5BF41CA-BB3D-48B5-8A53-7234D0B612B4}" type="datetimeFigureOut">
               <a:rPr lang="zh-CN" altLang="en-US" smtClean="0"/>
-              <a:t>2015/10/4</a:t>
+              <a:t>2015/10/29</a:t>
             </a:fld>
             <a:endParaRPr lang="zh-CN" altLang="en-US"/>
           </a:p>
@@ -1556,7 +1556,7 @@
           <a:p>
             <a:fld id="{B5BF41CA-BB3D-48B5-8A53-7234D0B612B4}" type="datetimeFigureOut">
               <a:rPr lang="zh-CN" altLang="en-US" smtClean="0"/>
-              <a:t>2015/10/4</a:t>
+              <a:t>2015/10/29</a:t>
             </a:fld>
             <a:endParaRPr lang="zh-CN" altLang="en-US"/>
           </a:p>
@@ -1788,7 +1788,7 @@
           <a:p>
             <a:fld id="{B5BF41CA-BB3D-48B5-8A53-7234D0B612B4}" type="datetimeFigureOut">
               <a:rPr lang="zh-CN" altLang="en-US" smtClean="0"/>
-              <a:t>2015/10/4</a:t>
+              <a:t>2015/10/29</a:t>
             </a:fld>
             <a:endParaRPr lang="zh-CN" altLang="en-US"/>
           </a:p>
@@ -2155,7 +2155,7 @@
           <a:p>
             <a:fld id="{B5BF41CA-BB3D-48B5-8A53-7234D0B612B4}" type="datetimeFigureOut">
               <a:rPr lang="zh-CN" altLang="en-US" smtClean="0"/>
-              <a:t>2015/10/4</a:t>
+              <a:t>2015/10/29</a:t>
             </a:fld>
             <a:endParaRPr lang="zh-CN" altLang="en-US"/>
           </a:p>
@@ -2273,7 +2273,7 @@
           <a:p>
             <a:fld id="{B5BF41CA-BB3D-48B5-8A53-7234D0B612B4}" type="datetimeFigureOut">
               <a:rPr lang="zh-CN" altLang="en-US" smtClean="0"/>
-              <a:t>2015/10/4</a:t>
+              <a:t>2015/10/29</a:t>
             </a:fld>
             <a:endParaRPr lang="zh-CN" altLang="en-US"/>
           </a:p>
@@ -2368,7 +2368,7 @@
           <a:p>
             <a:fld id="{B5BF41CA-BB3D-48B5-8A53-7234D0B612B4}" type="datetimeFigureOut">
               <a:rPr lang="zh-CN" altLang="en-US" smtClean="0"/>
-              <a:t>2015/10/4</a:t>
+              <a:t>2015/10/29</a:t>
             </a:fld>
             <a:endParaRPr lang="zh-CN" altLang="en-US"/>
           </a:p>
@@ -2645,7 +2645,7 @@
           <a:p>
             <a:fld id="{B5BF41CA-BB3D-48B5-8A53-7234D0B612B4}" type="datetimeFigureOut">
               <a:rPr lang="zh-CN" altLang="en-US" smtClean="0"/>
-              <a:t>2015/10/4</a:t>
+              <a:t>2015/10/29</a:t>
             </a:fld>
             <a:endParaRPr lang="zh-CN" altLang="en-US"/>
           </a:p>
@@ -2902,7 +2902,7 @@
           <a:p>
             <a:fld id="{B5BF41CA-BB3D-48B5-8A53-7234D0B612B4}" type="datetimeFigureOut">
               <a:rPr lang="zh-CN" altLang="en-US" smtClean="0"/>
-              <a:t>2015/10/4</a:t>
+              <a:t>2015/10/29</a:t>
             </a:fld>
             <a:endParaRPr lang="zh-CN" altLang="en-US"/>
           </a:p>
@@ -3115,7 +3115,7 @@
           <a:p>
             <a:fld id="{B5BF41CA-BB3D-48B5-8A53-7234D0B612B4}" type="datetimeFigureOut">
               <a:rPr lang="zh-CN" altLang="en-US" smtClean="0"/>
-              <a:t>2015/10/4</a:t>
+              <a:t>2015/10/29</a:t>
             </a:fld>
             <a:endParaRPr lang="zh-CN" altLang="en-US"/>
           </a:p>
@@ -18261,6 +18261,318 @@
           <a:chExt cx="0" cy="0"/>
         </a:xfrm>
       </p:grpSpPr>
+      <p:sp>
+        <p:nvSpPr>
+          <p:cNvPr id="2" name="文本框 1"/>
+          <p:cNvSpPr txBox="1"/>
+          <p:nvPr/>
+        </p:nvSpPr>
+        <p:spPr>
+          <a:xfrm>
+            <a:off x="533400" y="4552950"/>
+            <a:ext cx="8591550" cy="1569660"/>
+          </a:xfrm>
+          <a:prstGeom prst="rect">
+            <a:avLst/>
+          </a:prstGeom>
+          <a:noFill/>
+        </p:spPr>
+        <p:txBody>
+          <a:bodyPr wrap="square" rtlCol="0">
+            <a:spAutoFit/>
+          </a:bodyPr>
+          <a:lstStyle/>
+          <a:p>
+            <a:r>
+              <a:rPr lang="zh-CN" altLang="en-US" sz="4800" dirty="0" smtClean="0">
+                <a:ln w="0"/>
+                <a:solidFill>
+                  <a:schemeClr val="accent1"/>
+                </a:solidFill>
+                <a:effectLst>
+                  <a:outerShdw blurRad="38100" dist="25400" dir="5400000" algn="ctr" rotWithShape="0">
+                    <a:srgbClr val="6E747A">
+                      <a:alpha val="43000"/>
+                    </a:srgbClr>
+                  </a:outerShdw>
+                </a:effectLst>
+                <a:latin typeface="黑体" panose="02010609060101010101" pitchFamily="49" charset="-122"/>
+                <a:ea typeface="黑体" panose="02010609060101010101" pitchFamily="49" charset="-122"/>
+              </a:rPr>
+              <a:t>后续制作过程中的修改：</a:t>
+            </a:r>
+            <a:endParaRPr lang="en-US" altLang="zh-CN" sz="4800" dirty="0" smtClean="0">
+              <a:ln w="0"/>
+              <a:solidFill>
+                <a:schemeClr val="accent1"/>
+              </a:solidFill>
+              <a:effectLst>
+                <a:outerShdw blurRad="38100" dist="25400" dir="5400000" algn="ctr" rotWithShape="0">
+                  <a:srgbClr val="6E747A">
+                    <a:alpha val="43000"/>
+                  </a:srgbClr>
+                </a:outerShdw>
+              </a:effectLst>
+              <a:latin typeface="黑体" panose="02010609060101010101" pitchFamily="49" charset="-122"/>
+              <a:ea typeface="黑体" panose="02010609060101010101" pitchFamily="49" charset="-122"/>
+            </a:endParaRPr>
+          </a:p>
+          <a:p>
+            <a:endParaRPr lang="zh-CN" altLang="en-US" sz="4800" dirty="0">
+              <a:ln w="0"/>
+              <a:solidFill>
+                <a:schemeClr val="accent1"/>
+              </a:solidFill>
+              <a:effectLst>
+                <a:outerShdw blurRad="38100" dist="25400" dir="5400000" algn="ctr" rotWithShape="0">
+                  <a:srgbClr val="6E747A">
+                    <a:alpha val="43000"/>
+                  </a:srgbClr>
+                </a:outerShdw>
+              </a:effectLst>
+              <a:latin typeface="黑体" panose="02010609060101010101" pitchFamily="49" charset="-122"/>
+              <a:ea typeface="黑体" panose="02010609060101010101" pitchFamily="49" charset="-122"/>
+            </a:endParaRPr>
+          </a:p>
+        </p:txBody>
+      </p:sp>
+      <p:sp>
+        <p:nvSpPr>
+          <p:cNvPr id="3" name="矩形 2"/>
+          <p:cNvSpPr/>
+          <p:nvPr/>
+        </p:nvSpPr>
+        <p:spPr>
+          <a:xfrm>
+            <a:off x="685801" y="5660945"/>
+            <a:ext cx="8439150" cy="5909310"/>
+          </a:xfrm>
+          <a:prstGeom prst="rect">
+            <a:avLst/>
+          </a:prstGeom>
+          <a:noFill/>
+        </p:spPr>
+        <p:txBody>
+          <a:bodyPr wrap="square" lIns="91440" tIns="45720" rIns="91440" bIns="45720">
+            <a:spAutoFit/>
+          </a:bodyPr>
+          <a:lstStyle/>
+          <a:p>
+            <a:r>
+              <a:rPr lang="en-US" altLang="zh-CN" sz="5400" b="1" cap="none" spc="0" dirty="0" smtClean="0">
+                <a:ln/>
+                <a:pattFill prst="dkUpDiag">
+                  <a:fgClr>
+                    <a:schemeClr val="bg1">
+                      <a:lumMod val="50000"/>
+                    </a:schemeClr>
+                  </a:fgClr>
+                  <a:bgClr>
+                    <a:schemeClr val="tx1">
+                      <a:lumMod val="75000"/>
+                      <a:lumOff val="25000"/>
+                    </a:schemeClr>
+                  </a:bgClr>
+                </a:pattFill>
+                <a:effectLst>
+                  <a:outerShdw blurRad="38100" dist="19050" dir="2700000" algn="tl" rotWithShape="0">
+                    <a:schemeClr val="dk1">
+                      <a:lumMod val="50000"/>
+                      <a:alpha val="40000"/>
+                    </a:schemeClr>
+                  </a:outerShdw>
+                </a:effectLst>
+              </a:rPr>
+              <a:t>1.</a:t>
+            </a:r>
+            <a:r>
+              <a:rPr lang="zh-CN" altLang="en-US" sz="5400" b="1" cap="none" spc="0" dirty="0" smtClean="0">
+                <a:ln/>
+                <a:pattFill prst="dkUpDiag">
+                  <a:fgClr>
+                    <a:schemeClr val="bg1">
+                      <a:lumMod val="50000"/>
+                    </a:schemeClr>
+                  </a:fgClr>
+                  <a:bgClr>
+                    <a:schemeClr val="tx1">
+                      <a:lumMod val="75000"/>
+                      <a:lumOff val="25000"/>
+                    </a:schemeClr>
+                  </a:bgClr>
+                </a:pattFill>
+                <a:effectLst>
+                  <a:outerShdw blurRad="38100" dist="19050" dir="2700000" algn="tl" rotWithShape="0">
+                    <a:schemeClr val="dk1">
+                      <a:lumMod val="50000"/>
+                      <a:alpha val="40000"/>
+                    </a:schemeClr>
+                  </a:outerShdw>
+                </a:effectLst>
+              </a:rPr>
+              <a:t>用户头像圆圈下面的用户名那里增加小喇叭消息提示。如果是手机端就可以提醒消息了。</a:t>
+            </a:r>
+            <a:r>
+              <a:rPr lang="en-US" altLang="zh-CN" sz="5400" b="1" cap="none" spc="0" dirty="0" smtClean="0">
+                <a:ln/>
+                <a:pattFill prst="dkUpDiag">
+                  <a:fgClr>
+                    <a:schemeClr val="bg1">
+                      <a:lumMod val="50000"/>
+                    </a:schemeClr>
+                  </a:fgClr>
+                  <a:bgClr>
+                    <a:schemeClr val="tx1">
+                      <a:lumMod val="75000"/>
+                      <a:lumOff val="25000"/>
+                    </a:schemeClr>
+                  </a:bgClr>
+                </a:pattFill>
+                <a:effectLst>
+                  <a:outerShdw blurRad="38100" dist="19050" dir="2700000" algn="tl" rotWithShape="0">
+                    <a:schemeClr val="dk1">
+                      <a:lumMod val="50000"/>
+                      <a:alpha val="40000"/>
+                    </a:schemeClr>
+                  </a:outerShdw>
+                </a:effectLst>
+              </a:rPr>
+              <a:t>WEB</a:t>
+            </a:r>
+            <a:r>
+              <a:rPr lang="zh-CN" altLang="en-US" sz="5400" b="1" cap="none" spc="0" dirty="0" smtClean="0">
+                <a:ln/>
+                <a:pattFill prst="dkUpDiag">
+                  <a:fgClr>
+                    <a:schemeClr val="bg1">
+                      <a:lumMod val="50000"/>
+                    </a:schemeClr>
+                  </a:fgClr>
+                  <a:bgClr>
+                    <a:schemeClr val="tx1">
+                      <a:lumMod val="75000"/>
+                      <a:lumOff val="25000"/>
+                    </a:schemeClr>
+                  </a:bgClr>
+                </a:pattFill>
+                <a:effectLst>
+                  <a:outerShdw blurRad="38100" dist="19050" dir="2700000" algn="tl" rotWithShape="0">
+                    <a:schemeClr val="dk1">
+                      <a:lumMod val="50000"/>
+                      <a:alpha val="40000"/>
+                    </a:schemeClr>
+                  </a:outerShdw>
+                </a:effectLst>
+              </a:rPr>
+              <a:t>就原来的那个铃铛</a:t>
+            </a:r>
+            <a:endParaRPr lang="en-US" altLang="zh-CN" sz="5400" b="1" cap="none" spc="0" dirty="0" smtClean="0">
+              <a:ln/>
+              <a:pattFill prst="dkUpDiag">
+                <a:fgClr>
+                  <a:schemeClr val="bg1">
+                    <a:lumMod val="50000"/>
+                  </a:schemeClr>
+                </a:fgClr>
+                <a:bgClr>
+                  <a:schemeClr val="tx1">
+                    <a:lumMod val="75000"/>
+                    <a:lumOff val="25000"/>
+                  </a:schemeClr>
+                </a:bgClr>
+              </a:pattFill>
+              <a:effectLst>
+                <a:outerShdw blurRad="38100" dist="19050" dir="2700000" algn="tl" rotWithShape="0">
+                  <a:schemeClr val="dk1">
+                    <a:lumMod val="50000"/>
+                    <a:alpha val="40000"/>
+                  </a:schemeClr>
+                </a:outerShdw>
+              </a:effectLst>
+            </a:endParaRPr>
+          </a:p>
+          <a:p>
+            <a:r>
+              <a:rPr lang="en-US" altLang="zh-CN" sz="5400" b="1" dirty="0" smtClean="0">
+                <a:ln/>
+                <a:pattFill prst="dkUpDiag">
+                  <a:fgClr>
+                    <a:schemeClr val="bg1">
+                      <a:lumMod val="50000"/>
+                    </a:schemeClr>
+                  </a:fgClr>
+                  <a:bgClr>
+                    <a:schemeClr val="tx1">
+                      <a:lumMod val="75000"/>
+                      <a:lumOff val="25000"/>
+                    </a:schemeClr>
+                  </a:bgClr>
+                </a:pattFill>
+                <a:effectLst>
+                  <a:outerShdw blurRad="38100" dist="19050" dir="2700000" algn="tl" rotWithShape="0">
+                    <a:schemeClr val="dk1">
+                      <a:lumMod val="50000"/>
+                      <a:alpha val="40000"/>
+                    </a:schemeClr>
+                  </a:outerShdw>
+                </a:effectLst>
+              </a:rPr>
+              <a:t>2.</a:t>
+            </a:r>
+            <a:r>
+              <a:rPr lang="zh-CN" altLang="en-US" sz="5400" b="1" dirty="0" smtClean="0">
+                <a:ln/>
+                <a:pattFill prst="dkUpDiag">
+                  <a:fgClr>
+                    <a:schemeClr val="bg1">
+                      <a:lumMod val="50000"/>
+                    </a:schemeClr>
+                  </a:fgClr>
+                  <a:bgClr>
+                    <a:schemeClr val="tx1">
+                      <a:lumMod val="75000"/>
+                      <a:lumOff val="25000"/>
+                    </a:schemeClr>
+                  </a:bgClr>
+                </a:pattFill>
+                <a:effectLst>
+                  <a:outerShdw blurRad="38100" dist="19050" dir="2700000" algn="tl" rotWithShape="0">
+                    <a:schemeClr val="dk1">
+                      <a:lumMod val="50000"/>
+                      <a:alpha val="40000"/>
+                    </a:schemeClr>
+                  </a:outerShdw>
+                </a:effectLst>
+              </a:rPr>
+              <a:t>事项抽取规则修改为按用户按时间倒叙。</a:t>
+            </a:r>
+            <a:endParaRPr lang="zh-CN" altLang="en-US" sz="5400" b="1" cap="none" spc="0" dirty="0">
+              <a:ln/>
+              <a:pattFill prst="dkUpDiag">
+                <a:fgClr>
+                  <a:schemeClr val="bg1">
+                    <a:lumMod val="50000"/>
+                  </a:schemeClr>
+                </a:fgClr>
+                <a:bgClr>
+                  <a:schemeClr val="tx1">
+                    <a:lumMod val="75000"/>
+                    <a:lumOff val="25000"/>
+                  </a:schemeClr>
+                </a:bgClr>
+              </a:pattFill>
+              <a:effectLst>
+                <a:outerShdw blurRad="38100" dist="19050" dir="2700000" algn="tl" rotWithShape="0">
+                  <a:schemeClr val="dk1">
+                    <a:lumMod val="50000"/>
+                    <a:alpha val="40000"/>
+                  </a:schemeClr>
+                </a:outerShdw>
+              </a:effectLst>
+            </a:endParaRPr>
+          </a:p>
+        </p:txBody>
+      </p:sp>
     </p:spTree>
     <p:extLst>
       <p:ext uri="{BB962C8B-B14F-4D97-AF65-F5344CB8AC3E}">

--- a/design/makarovDesign.pptx
+++ b/design/makarovDesign.pptx
@@ -126,7 +126,7 @@
   </p:defaultTextStyle>
   <p:extLst>
     <p:ext uri="{EFAFB233-063F-42B5-8137-9DF3F51BA10A}">
-      <p15:sldGuideLst xmlns:p15="http://schemas.microsoft.com/office/powerpoint/2012/main">
+      <p15:sldGuideLst xmlns:p15="http://schemas.microsoft.com/office/powerpoint/2012/main" xmlns="">
         <p15:guide id="1" orient="horz" pos="5805" userDrawn="1">
           <p15:clr>
             <a:srgbClr val="A4A3A4"/>
@@ -225,7 +225,7 @@
           <a:p>
             <a:fld id="{3CDD5C32-6B22-4025-99E9-A70F86511464}" type="datetimeFigureOut">
               <a:rPr lang="zh-CN" altLang="en-US" smtClean="0"/>
-              <a:t>2015/10/29</a:t>
+              <a:t>2015-11-12</a:t>
             </a:fld>
             <a:endParaRPr lang="zh-CN" altLang="en-US"/>
           </a:p>
@@ -792,7 +792,7 @@
           <a:p>
             <a:fld id="{B5BF41CA-BB3D-48B5-8A53-7234D0B612B4}" type="datetimeFigureOut">
               <a:rPr lang="zh-CN" altLang="en-US" smtClean="0"/>
-              <a:t>2015/10/29</a:t>
+              <a:t>2015-11-12</a:t>
             </a:fld>
             <a:endParaRPr lang="zh-CN" altLang="en-US"/>
           </a:p>
@@ -962,7 +962,7 @@
           <a:p>
             <a:fld id="{B5BF41CA-BB3D-48B5-8A53-7234D0B612B4}" type="datetimeFigureOut">
               <a:rPr lang="zh-CN" altLang="en-US" smtClean="0"/>
-              <a:t>2015/10/29</a:t>
+              <a:t>2015-11-12</a:t>
             </a:fld>
             <a:endParaRPr lang="zh-CN" altLang="en-US"/>
           </a:p>
@@ -1142,7 +1142,7 @@
           <a:p>
             <a:fld id="{B5BF41CA-BB3D-48B5-8A53-7234D0B612B4}" type="datetimeFigureOut">
               <a:rPr lang="zh-CN" altLang="en-US" smtClean="0"/>
-              <a:t>2015/10/29</a:t>
+              <a:t>2015-11-12</a:t>
             </a:fld>
             <a:endParaRPr lang="zh-CN" altLang="en-US"/>
           </a:p>
@@ -1312,7 +1312,7 @@
           <a:p>
             <a:fld id="{B5BF41CA-BB3D-48B5-8A53-7234D0B612B4}" type="datetimeFigureOut">
               <a:rPr lang="zh-CN" altLang="en-US" smtClean="0"/>
-              <a:t>2015/10/29</a:t>
+              <a:t>2015-11-12</a:t>
             </a:fld>
             <a:endParaRPr lang="zh-CN" altLang="en-US"/>
           </a:p>
@@ -1556,7 +1556,7 @@
           <a:p>
             <a:fld id="{B5BF41CA-BB3D-48B5-8A53-7234D0B612B4}" type="datetimeFigureOut">
               <a:rPr lang="zh-CN" altLang="en-US" smtClean="0"/>
-              <a:t>2015/10/29</a:t>
+              <a:t>2015-11-12</a:t>
             </a:fld>
             <a:endParaRPr lang="zh-CN" altLang="en-US"/>
           </a:p>
@@ -1788,7 +1788,7 @@
           <a:p>
             <a:fld id="{B5BF41CA-BB3D-48B5-8A53-7234D0B612B4}" type="datetimeFigureOut">
               <a:rPr lang="zh-CN" altLang="en-US" smtClean="0"/>
-              <a:t>2015/10/29</a:t>
+              <a:t>2015-11-12</a:t>
             </a:fld>
             <a:endParaRPr lang="zh-CN" altLang="en-US"/>
           </a:p>
@@ -2155,7 +2155,7 @@
           <a:p>
             <a:fld id="{B5BF41CA-BB3D-48B5-8A53-7234D0B612B4}" type="datetimeFigureOut">
               <a:rPr lang="zh-CN" altLang="en-US" smtClean="0"/>
-              <a:t>2015/10/29</a:t>
+              <a:t>2015-11-12</a:t>
             </a:fld>
             <a:endParaRPr lang="zh-CN" altLang="en-US"/>
           </a:p>
@@ -2273,7 +2273,7 @@
           <a:p>
             <a:fld id="{B5BF41CA-BB3D-48B5-8A53-7234D0B612B4}" type="datetimeFigureOut">
               <a:rPr lang="zh-CN" altLang="en-US" smtClean="0"/>
-              <a:t>2015/10/29</a:t>
+              <a:t>2015-11-12</a:t>
             </a:fld>
             <a:endParaRPr lang="zh-CN" altLang="en-US"/>
           </a:p>
@@ -2368,7 +2368,7 @@
           <a:p>
             <a:fld id="{B5BF41CA-BB3D-48B5-8A53-7234D0B612B4}" type="datetimeFigureOut">
               <a:rPr lang="zh-CN" altLang="en-US" smtClean="0"/>
-              <a:t>2015/10/29</a:t>
+              <a:t>2015-11-12</a:t>
             </a:fld>
             <a:endParaRPr lang="zh-CN" altLang="en-US"/>
           </a:p>
@@ -2645,7 +2645,7 @@
           <a:p>
             <a:fld id="{B5BF41CA-BB3D-48B5-8A53-7234D0B612B4}" type="datetimeFigureOut">
               <a:rPr lang="zh-CN" altLang="en-US" smtClean="0"/>
-              <a:t>2015/10/29</a:t>
+              <a:t>2015-11-12</a:t>
             </a:fld>
             <a:endParaRPr lang="zh-CN" altLang="en-US"/>
           </a:p>
@@ -2902,7 +2902,7 @@
           <a:p>
             <a:fld id="{B5BF41CA-BB3D-48B5-8A53-7234D0B612B4}" type="datetimeFigureOut">
               <a:rPr lang="zh-CN" altLang="en-US" smtClean="0"/>
-              <a:t>2015/10/29</a:t>
+              <a:t>2015-11-12</a:t>
             </a:fld>
             <a:endParaRPr lang="zh-CN" altLang="en-US"/>
           </a:p>
@@ -3115,7 +3115,7 @@
           <a:p>
             <a:fld id="{B5BF41CA-BB3D-48B5-8A53-7234D0B612B4}" type="datetimeFigureOut">
               <a:rPr lang="zh-CN" altLang="en-US" smtClean="0"/>
-              <a:t>2015/10/29</a:t>
+              <a:t>2015-11-12</a:t>
             </a:fld>
             <a:endParaRPr lang="zh-CN" altLang="en-US"/>
           </a:p>
@@ -18345,7 +18345,7 @@
         <p:spPr>
           <a:xfrm>
             <a:off x="685801" y="5660945"/>
-            <a:ext cx="8439150" cy="5909310"/>
+            <a:ext cx="8439150" cy="5078313"/>
           </a:xfrm>
           <a:prstGeom prst="rect">
             <a:avLst/>
@@ -18386,7 +18386,7 @@
               <a:t>1.</a:t>
             </a:r>
             <a:r>
-              <a:rPr lang="zh-CN" altLang="en-US" sz="5400" b="1" cap="none" spc="0" dirty="0" smtClean="0">
+              <a:rPr lang="zh-CN" altLang="en-US" sz="5400" b="1" dirty="0" smtClean="0">
                 <a:ln/>
                 <a:pattFill prst="dkUpDiag">
                   <a:fgClr>
@@ -18410,10 +18410,10 @@
                   </a:outerShdw>
                 </a:effectLst>
               </a:rPr>
-              <a:t>用户头像圆圈下面的用户名那里增加小喇叭消息提示。如果是手机端就可以提醒消息了。</a:t>
-            </a:r>
-            <a:r>
-              <a:rPr lang="en-US" altLang="zh-CN" sz="5400" b="1" cap="none" spc="0" dirty="0" smtClean="0">
+              <a:t>增加默认项目、用户、用户背景图标各</a:t>
+            </a:r>
+            <a:r>
+              <a:rPr lang="en-US" altLang="zh-CN" sz="5400" b="1" dirty="0" smtClean="0">
                 <a:ln/>
                 <a:pattFill prst="dkUpDiag">
                   <a:fgClr>
@@ -18437,10 +18437,10 @@
                   </a:outerShdw>
                 </a:effectLst>
               </a:rPr>
-              <a:t>WEB</a:t>
-            </a:r>
-            <a:r>
-              <a:rPr lang="zh-CN" altLang="en-US" sz="5400" b="1" cap="none" spc="0" dirty="0" smtClean="0">
+              <a:t>100</a:t>
+            </a:r>
+            <a:r>
+              <a:rPr lang="zh-CN" altLang="en-US" sz="5400" b="1" dirty="0" smtClean="0">
                 <a:ln/>
                 <a:pattFill prst="dkUpDiag">
                   <a:fgClr>
@@ -18464,7 +18464,7 @@
                   </a:outerShdw>
                 </a:effectLst>
               </a:rPr>
-              <a:t>就原来的那个铃铛</a:t>
+              <a:t>张。项目图标提供字符加背景的功能。</a:t>
             </a:r>
             <a:endParaRPr lang="en-US" altLang="zh-CN" sz="5400" b="1" cap="none" spc="0" dirty="0" smtClean="0">
               <a:ln/>
@@ -18517,7 +18517,34 @@
                   </a:outerShdw>
                 </a:effectLst>
               </a:rPr>
-              <a:t>2.</a:t>
+              <a:t>2</a:t>
+            </a:r>
+            <a:r>
+              <a:rPr lang="en-US" altLang="zh-CN" sz="5400" b="1" dirty="0" smtClean="0">
+                <a:ln/>
+                <a:pattFill prst="dkUpDiag">
+                  <a:fgClr>
+                    <a:schemeClr val="bg1">
+                      <a:lumMod val="50000"/>
+                    </a:schemeClr>
+                  </a:fgClr>
+                  <a:bgClr>
+                    <a:schemeClr val="tx1">
+                      <a:lumMod val="75000"/>
+                      <a:lumOff val="25000"/>
+                    </a:schemeClr>
+                  </a:bgClr>
+                </a:pattFill>
+                <a:effectLst>
+                  <a:outerShdw blurRad="38100" dist="19050" dir="2700000" algn="tl" rotWithShape="0">
+                    <a:schemeClr val="dk1">
+                      <a:lumMod val="50000"/>
+                      <a:alpha val="40000"/>
+                    </a:schemeClr>
+                  </a:outerShdw>
+                </a:effectLst>
+              </a:rPr>
+              <a:t>.</a:t>
             </a:r>
             <a:r>
               <a:rPr lang="zh-CN" altLang="en-US" sz="5400" b="1" dirty="0" smtClean="0">
@@ -31702,7 +31729,7 @@
     </a:clrScheme>
     <a:fontScheme name="Office 主题">
       <a:majorFont>
-        <a:latin typeface="Calibri Light" panose="020F0302020204030204"/>
+        <a:latin typeface="Calibri Light"/>
         <a:ea typeface=""/>
         <a:cs typeface=""/>
         <a:font script="Jpan" typeface="ＭＳ Ｐゴシック"/>
@@ -31737,7 +31764,7 @@
         <a:font script="Geor" typeface="Sylfaen"/>
       </a:majorFont>
       <a:minorFont>
-        <a:latin typeface="Calibri" panose="020F0502020204030204"/>
+        <a:latin typeface="Calibri"/>
         <a:ea typeface=""/>
         <a:cs typeface=""/>
         <a:font script="Jpan" typeface="ＭＳ Ｐゴシック"/>
@@ -31914,7 +31941,7 @@
   <a:extraClrSchemeLst/>
   <a:extLst>
     <a:ext uri="{05A4C25C-085E-4340-85A3-A5531E510DB2}">
-      <thm15:themeFamily xmlns:thm15="http://schemas.microsoft.com/office/thememl/2012/main" name="Office Theme" id="{62F939B6-93AF-4DB8-9C6B-D6C7DFDC589F}" vid="{4A3C46E8-61CC-4603-A589-7422A47A8E4A}"/>
+      <thm15:themeFamily xmlns:thm15="http://schemas.microsoft.com/office/thememl/2012/main" xmlns="" name="Office Theme" id="{62F939B6-93AF-4DB8-9C6B-D6C7DFDC589F}" vid="{4A3C46E8-61CC-4603-A589-7422A47A8E4A}"/>
     </a:ext>
   </a:extLst>
 </a:theme>
@@ -31963,7 +31990,7 @@
     </a:clrScheme>
     <a:fontScheme name="Office">
       <a:majorFont>
-        <a:latin typeface="Calibri Light" panose="020F0302020204030204"/>
+        <a:latin typeface="Calibri Light"/>
         <a:ea typeface=""/>
         <a:cs typeface=""/>
         <a:font script="Jpan" typeface="ＭＳ Ｐゴシック"/>
@@ -31998,7 +32025,7 @@
         <a:font script="Geor" typeface="Sylfaen"/>
       </a:majorFont>
       <a:minorFont>
-        <a:latin typeface="Calibri" panose="020F0502020204030204"/>
+        <a:latin typeface="Calibri"/>
         <a:ea typeface=""/>
         <a:cs typeface=""/>
         <a:font script="Jpan" typeface="ＭＳ Ｐゴシック"/>
@@ -32175,7 +32202,7 @@
   <a:extraClrSchemeLst/>
   <a:extLst>
     <a:ext uri="{05A4C25C-085E-4340-85A3-A5531E510DB2}">
-      <thm15:themeFamily xmlns:thm15="http://schemas.microsoft.com/office/thememl/2012/main" name="Office Theme" id="{62F939B6-93AF-4DB8-9C6B-D6C7DFDC589F}" vid="{4A3C46E8-61CC-4603-A589-7422A47A8E4A}"/>
+      <thm15:themeFamily xmlns:thm15="http://schemas.microsoft.com/office/thememl/2012/main" xmlns="" name="Office Theme" id="{62F939B6-93AF-4DB8-9C6B-D6C7DFDC589F}" vid="{4A3C46E8-61CC-4603-A589-7422A47A8E4A}"/>
     </a:ext>
   </a:extLst>
 </a:theme>

--- a/design/makarovDesign.pptx
+++ b/design/makarovDesign.pptx
@@ -126,7 +126,7 @@
   </p:defaultTextStyle>
   <p:extLst>
     <p:ext uri="{EFAFB233-063F-42B5-8137-9DF3F51BA10A}">
-      <p15:sldGuideLst xmlns:p15="http://schemas.microsoft.com/office/powerpoint/2012/main" xmlns="">
+      <p15:sldGuideLst xmlns="" xmlns:p15="http://schemas.microsoft.com/office/powerpoint/2012/main">
         <p15:guide id="1" orient="horz" pos="5805" userDrawn="1">
           <p15:clr>
             <a:srgbClr val="A4A3A4"/>
@@ -225,7 +225,7 @@
           <a:p>
             <a:fld id="{3CDD5C32-6B22-4025-99E9-A70F86511464}" type="datetimeFigureOut">
               <a:rPr lang="zh-CN" altLang="en-US" smtClean="0"/>
-              <a:t>2015-11-12</a:t>
+              <a:t>2015-11-16</a:t>
             </a:fld>
             <a:endParaRPr lang="zh-CN" altLang="en-US"/>
           </a:p>
@@ -792,7 +792,7 @@
           <a:p>
             <a:fld id="{B5BF41CA-BB3D-48B5-8A53-7234D0B612B4}" type="datetimeFigureOut">
               <a:rPr lang="zh-CN" altLang="en-US" smtClean="0"/>
-              <a:t>2015-11-12</a:t>
+              <a:t>2015-11-16</a:t>
             </a:fld>
             <a:endParaRPr lang="zh-CN" altLang="en-US"/>
           </a:p>
@@ -962,7 +962,7 @@
           <a:p>
             <a:fld id="{B5BF41CA-BB3D-48B5-8A53-7234D0B612B4}" type="datetimeFigureOut">
               <a:rPr lang="zh-CN" altLang="en-US" smtClean="0"/>
-              <a:t>2015-11-12</a:t>
+              <a:t>2015-11-16</a:t>
             </a:fld>
             <a:endParaRPr lang="zh-CN" altLang="en-US"/>
           </a:p>
@@ -1142,7 +1142,7 @@
           <a:p>
             <a:fld id="{B5BF41CA-BB3D-48B5-8A53-7234D0B612B4}" type="datetimeFigureOut">
               <a:rPr lang="zh-CN" altLang="en-US" smtClean="0"/>
-              <a:t>2015-11-12</a:t>
+              <a:t>2015-11-16</a:t>
             </a:fld>
             <a:endParaRPr lang="zh-CN" altLang="en-US"/>
           </a:p>
@@ -1312,7 +1312,7 @@
           <a:p>
             <a:fld id="{B5BF41CA-BB3D-48B5-8A53-7234D0B612B4}" type="datetimeFigureOut">
               <a:rPr lang="zh-CN" altLang="en-US" smtClean="0"/>
-              <a:t>2015-11-12</a:t>
+              <a:t>2015-11-16</a:t>
             </a:fld>
             <a:endParaRPr lang="zh-CN" altLang="en-US"/>
           </a:p>
@@ -1556,7 +1556,7 @@
           <a:p>
             <a:fld id="{B5BF41CA-BB3D-48B5-8A53-7234D0B612B4}" type="datetimeFigureOut">
               <a:rPr lang="zh-CN" altLang="en-US" smtClean="0"/>
-              <a:t>2015-11-12</a:t>
+              <a:t>2015-11-16</a:t>
             </a:fld>
             <a:endParaRPr lang="zh-CN" altLang="en-US"/>
           </a:p>
@@ -1788,7 +1788,7 @@
           <a:p>
             <a:fld id="{B5BF41CA-BB3D-48B5-8A53-7234D0B612B4}" type="datetimeFigureOut">
               <a:rPr lang="zh-CN" altLang="en-US" smtClean="0"/>
-              <a:t>2015-11-12</a:t>
+              <a:t>2015-11-16</a:t>
             </a:fld>
             <a:endParaRPr lang="zh-CN" altLang="en-US"/>
           </a:p>
@@ -2155,7 +2155,7 @@
           <a:p>
             <a:fld id="{B5BF41CA-BB3D-48B5-8A53-7234D0B612B4}" type="datetimeFigureOut">
               <a:rPr lang="zh-CN" altLang="en-US" smtClean="0"/>
-              <a:t>2015-11-12</a:t>
+              <a:t>2015-11-16</a:t>
             </a:fld>
             <a:endParaRPr lang="zh-CN" altLang="en-US"/>
           </a:p>
@@ -2273,7 +2273,7 @@
           <a:p>
             <a:fld id="{B5BF41CA-BB3D-48B5-8A53-7234D0B612B4}" type="datetimeFigureOut">
               <a:rPr lang="zh-CN" altLang="en-US" smtClean="0"/>
-              <a:t>2015-11-12</a:t>
+              <a:t>2015-11-16</a:t>
             </a:fld>
             <a:endParaRPr lang="zh-CN" altLang="en-US"/>
           </a:p>
@@ -2368,7 +2368,7 @@
           <a:p>
             <a:fld id="{B5BF41CA-BB3D-48B5-8A53-7234D0B612B4}" type="datetimeFigureOut">
               <a:rPr lang="zh-CN" altLang="en-US" smtClean="0"/>
-              <a:t>2015-11-12</a:t>
+              <a:t>2015-11-16</a:t>
             </a:fld>
             <a:endParaRPr lang="zh-CN" altLang="en-US"/>
           </a:p>
@@ -2645,7 +2645,7 @@
           <a:p>
             <a:fld id="{B5BF41CA-BB3D-48B5-8A53-7234D0B612B4}" type="datetimeFigureOut">
               <a:rPr lang="zh-CN" altLang="en-US" smtClean="0"/>
-              <a:t>2015-11-12</a:t>
+              <a:t>2015-11-16</a:t>
             </a:fld>
             <a:endParaRPr lang="zh-CN" altLang="en-US"/>
           </a:p>
@@ -2902,7 +2902,7 @@
           <a:p>
             <a:fld id="{B5BF41CA-BB3D-48B5-8A53-7234D0B612B4}" type="datetimeFigureOut">
               <a:rPr lang="zh-CN" altLang="en-US" smtClean="0"/>
-              <a:t>2015-11-12</a:t>
+              <a:t>2015-11-16</a:t>
             </a:fld>
             <a:endParaRPr lang="zh-CN" altLang="en-US"/>
           </a:p>
@@ -3115,7 +3115,7 @@
           <a:p>
             <a:fld id="{B5BF41CA-BB3D-48B5-8A53-7234D0B612B4}" type="datetimeFigureOut">
               <a:rPr lang="zh-CN" altLang="en-US" smtClean="0"/>
-              <a:t>2015-11-12</a:t>
+              <a:t>2015-11-16</a:t>
             </a:fld>
             <a:endParaRPr lang="zh-CN" altLang="en-US"/>
           </a:p>
@@ -18345,7 +18345,7 @@
         <p:spPr>
           <a:xfrm>
             <a:off x="685801" y="5660945"/>
-            <a:ext cx="8439150" cy="5078313"/>
+            <a:ext cx="8439150" cy="10895290"/>
           </a:xfrm>
           <a:prstGeom prst="rect">
             <a:avLst/>
@@ -18517,8 +18517,222 @@
                   </a:outerShdw>
                 </a:effectLst>
               </a:rPr>
-              <a:t>2</a:t>
-            </a:r>
+              <a:t>2.</a:t>
+            </a:r>
+            <a:r>
+              <a:rPr lang="zh-CN" altLang="en-US" sz="5400" b="1" dirty="0" smtClean="0">
+                <a:ln/>
+                <a:pattFill prst="dkUpDiag">
+                  <a:fgClr>
+                    <a:schemeClr val="bg1">
+                      <a:lumMod val="50000"/>
+                    </a:schemeClr>
+                  </a:fgClr>
+                  <a:bgClr>
+                    <a:schemeClr val="tx1">
+                      <a:lumMod val="75000"/>
+                      <a:lumOff val="25000"/>
+                    </a:schemeClr>
+                  </a:bgClr>
+                </a:pattFill>
+                <a:effectLst>
+                  <a:outerShdw blurRad="38100" dist="19050" dir="2700000" algn="tl" rotWithShape="0">
+                    <a:schemeClr val="dk1">
+                      <a:lumMod val="50000"/>
+                      <a:alpha val="40000"/>
+                    </a:schemeClr>
+                  </a:outerShdw>
+                </a:effectLst>
+              </a:rPr>
+              <a:t>事项抽取规则修改为按用户按时间倒叙</a:t>
+            </a:r>
+            <a:r>
+              <a:rPr lang="zh-CN" altLang="en-US" sz="5400" b="1" dirty="0" smtClean="0">
+                <a:ln/>
+                <a:pattFill prst="dkUpDiag">
+                  <a:fgClr>
+                    <a:schemeClr val="bg1">
+                      <a:lumMod val="50000"/>
+                    </a:schemeClr>
+                  </a:fgClr>
+                  <a:bgClr>
+                    <a:schemeClr val="tx1">
+                      <a:lumMod val="75000"/>
+                      <a:lumOff val="25000"/>
+                    </a:schemeClr>
+                  </a:bgClr>
+                </a:pattFill>
+                <a:effectLst>
+                  <a:outerShdw blurRad="38100" dist="19050" dir="2700000" algn="tl" rotWithShape="0">
+                    <a:schemeClr val="dk1">
+                      <a:lumMod val="50000"/>
+                      <a:alpha val="40000"/>
+                    </a:schemeClr>
+                  </a:outerShdw>
+                </a:effectLst>
+              </a:rPr>
+              <a:t>。</a:t>
+            </a:r>
+            <a:endParaRPr lang="en-US" altLang="zh-CN" sz="5400" b="1" dirty="0" smtClean="0">
+              <a:ln/>
+              <a:pattFill prst="dkUpDiag">
+                <a:fgClr>
+                  <a:schemeClr val="bg1">
+                    <a:lumMod val="50000"/>
+                  </a:schemeClr>
+                </a:fgClr>
+                <a:bgClr>
+                  <a:schemeClr val="tx1">
+                    <a:lumMod val="75000"/>
+                    <a:lumOff val="25000"/>
+                  </a:schemeClr>
+                </a:bgClr>
+              </a:pattFill>
+              <a:effectLst>
+                <a:outerShdw blurRad="38100" dist="19050" dir="2700000" algn="tl" rotWithShape="0">
+                  <a:schemeClr val="dk1">
+                    <a:lumMod val="50000"/>
+                    <a:alpha val="40000"/>
+                  </a:schemeClr>
+                </a:outerShdw>
+              </a:effectLst>
+            </a:endParaRPr>
+          </a:p>
+          <a:p>
+            <a:r>
+              <a:rPr lang="en-US" altLang="zh-CN" sz="5400" b="1" cap="none" spc="0" dirty="0" smtClean="0">
+                <a:ln/>
+                <a:pattFill prst="dkUpDiag">
+                  <a:fgClr>
+                    <a:schemeClr val="bg1">
+                      <a:lumMod val="50000"/>
+                    </a:schemeClr>
+                  </a:fgClr>
+                  <a:bgClr>
+                    <a:schemeClr val="tx1">
+                      <a:lumMod val="75000"/>
+                      <a:lumOff val="25000"/>
+                    </a:schemeClr>
+                  </a:bgClr>
+                </a:pattFill>
+                <a:effectLst>
+                  <a:outerShdw blurRad="38100" dist="19050" dir="2700000" algn="tl" rotWithShape="0">
+                    <a:schemeClr val="dk1">
+                      <a:lumMod val="50000"/>
+                      <a:alpha val="40000"/>
+                    </a:schemeClr>
+                  </a:outerShdw>
+                </a:effectLst>
+              </a:rPr>
+              <a:t>3.</a:t>
+            </a:r>
+            <a:r>
+              <a:rPr lang="zh-CN" altLang="en-US" sz="5400" b="1" cap="none" spc="0" dirty="0" smtClean="0">
+                <a:ln/>
+                <a:pattFill prst="dkUpDiag">
+                  <a:fgClr>
+                    <a:schemeClr val="bg1">
+                      <a:lumMod val="50000"/>
+                    </a:schemeClr>
+                  </a:fgClr>
+                  <a:bgClr>
+                    <a:schemeClr val="tx1">
+                      <a:lumMod val="75000"/>
+                      <a:lumOff val="25000"/>
+                    </a:schemeClr>
+                  </a:bgClr>
+                </a:pattFill>
+                <a:effectLst>
+                  <a:outerShdw blurRad="38100" dist="19050" dir="2700000" algn="tl" rotWithShape="0">
+                    <a:schemeClr val="dk1">
+                      <a:lumMod val="50000"/>
+                      <a:alpha val="40000"/>
+                    </a:schemeClr>
+                  </a:outerShdw>
+                </a:effectLst>
+              </a:rPr>
+              <a:t>项目横计划，后续是放到报表还是增加</a:t>
+            </a:r>
+            <a:r>
+              <a:rPr lang="en-US" altLang="zh-CN" sz="5400" b="1" cap="none" spc="0" dirty="0" smtClean="0">
+                <a:ln/>
+                <a:pattFill prst="dkUpDiag">
+                  <a:fgClr>
+                    <a:schemeClr val="bg1">
+                      <a:lumMod val="50000"/>
+                    </a:schemeClr>
+                  </a:fgClr>
+                  <a:bgClr>
+                    <a:schemeClr val="tx1">
+                      <a:lumMod val="75000"/>
+                      <a:lumOff val="25000"/>
+                    </a:schemeClr>
+                  </a:bgClr>
+                </a:pattFill>
+                <a:effectLst>
+                  <a:outerShdw blurRad="38100" dist="19050" dir="2700000" algn="tl" rotWithShape="0">
+                    <a:schemeClr val="dk1">
+                      <a:lumMod val="50000"/>
+                      <a:alpha val="40000"/>
+                    </a:schemeClr>
+                  </a:outerShdw>
+                </a:effectLst>
+              </a:rPr>
+              <a:t>1</a:t>
+            </a:r>
+            <a:r>
+              <a:rPr lang="zh-CN" altLang="en-US" sz="5400" b="1" cap="none" spc="0" dirty="0" smtClean="0">
+                <a:ln/>
+                <a:pattFill prst="dkUpDiag">
+                  <a:fgClr>
+                    <a:schemeClr val="bg1">
+                      <a:lumMod val="50000"/>
+                    </a:schemeClr>
+                  </a:fgClr>
+                  <a:bgClr>
+                    <a:schemeClr val="tx1">
+                      <a:lumMod val="75000"/>
+                      <a:lumOff val="25000"/>
+                    </a:schemeClr>
+                  </a:bgClr>
+                </a:pattFill>
+                <a:effectLst>
+                  <a:outerShdw blurRad="38100" dist="19050" dir="2700000" algn="tl" rotWithShape="0">
+                    <a:schemeClr val="dk1">
+                      <a:lumMod val="50000"/>
+                      <a:alpha val="40000"/>
+                    </a:schemeClr>
+                  </a:outerShdw>
+                </a:effectLst>
+              </a:rPr>
+              <a:t>个统计的按钮去查看，待确认。先按报表考虑</a:t>
+            </a:r>
+            <a:endParaRPr lang="en-US" altLang="zh-CN" sz="5400" b="1" cap="none" spc="0" dirty="0" smtClean="0">
+              <a:ln/>
+              <a:pattFill prst="dkUpDiag">
+                <a:fgClr>
+                  <a:schemeClr val="bg1">
+                    <a:lumMod val="50000"/>
+                  </a:schemeClr>
+                </a:fgClr>
+                <a:bgClr>
+                  <a:schemeClr val="tx1">
+                    <a:lumMod val="75000"/>
+                    <a:lumOff val="25000"/>
+                  </a:schemeClr>
+                </a:bgClr>
+              </a:pattFill>
+              <a:effectLst>
+                <a:outerShdw blurRad="38100" dist="19050" dir="2700000" algn="tl" rotWithShape="0">
+                  <a:schemeClr val="dk1">
+                    <a:lumMod val="50000"/>
+                    <a:alpha val="40000"/>
+                  </a:schemeClr>
+                </a:outerShdw>
+              </a:effectLst>
+            </a:endParaRPr>
+          </a:p>
+          <a:p>
             <a:r>
               <a:rPr lang="en-US" altLang="zh-CN" sz="5400" b="1" dirty="0" smtClean="0">
                 <a:ln/>
@@ -18544,7 +18758,7 @@
                   </a:outerShdw>
                 </a:effectLst>
               </a:rPr>
-              <a:t>.</a:t>
+              <a:t>4.</a:t>
             </a:r>
             <a:r>
               <a:rPr lang="zh-CN" altLang="en-US" sz="5400" b="1" dirty="0" smtClean="0">
@@ -18571,7 +18785,7 @@
                   </a:outerShdw>
                 </a:effectLst>
               </a:rPr>
-              <a:t>事项抽取规则修改为按用户按时间倒叙。</a:t>
+              <a:t>如果没有主项计划模板，增加另存为计划模板的按钮</a:t>
             </a:r>
             <a:endParaRPr lang="zh-CN" altLang="en-US" sz="5400" b="1" cap="none" spc="0" dirty="0">
               <a:ln/>
@@ -19462,7 +19676,7 @@
           <p:nvPr/>
         </p:nvPicPr>
         <p:blipFill>
-          <a:blip r:embed="rId4"/>
+          <a:blip/>
           <a:stretch>
             <a:fillRect/>
           </a:stretch>
@@ -31941,7 +32155,7 @@
   <a:extraClrSchemeLst/>
   <a:extLst>
     <a:ext uri="{05A4C25C-085E-4340-85A3-A5531E510DB2}">
-      <thm15:themeFamily xmlns:thm15="http://schemas.microsoft.com/office/thememl/2012/main" xmlns="" name="Office Theme" id="{62F939B6-93AF-4DB8-9C6B-D6C7DFDC589F}" vid="{4A3C46E8-61CC-4603-A589-7422A47A8E4A}"/>
+      <thm15:themeFamily xmlns="" xmlns:thm15="http://schemas.microsoft.com/office/thememl/2012/main" name="Office Theme" id="{62F939B6-93AF-4DB8-9C6B-D6C7DFDC589F}" vid="{4A3C46E8-61CC-4603-A589-7422A47A8E4A}"/>
     </a:ext>
   </a:extLst>
 </a:theme>
@@ -32202,7 +32416,7 @@
   <a:extraClrSchemeLst/>
   <a:extLst>
     <a:ext uri="{05A4C25C-085E-4340-85A3-A5531E510DB2}">
-      <thm15:themeFamily xmlns:thm15="http://schemas.microsoft.com/office/thememl/2012/main" xmlns="" name="Office Theme" id="{62F939B6-93AF-4DB8-9C6B-D6C7DFDC589F}" vid="{4A3C46E8-61CC-4603-A589-7422A47A8E4A}"/>
+      <thm15:themeFamily xmlns="" xmlns:thm15="http://schemas.microsoft.com/office/thememl/2012/main" name="Office Theme" id="{62F939B6-93AF-4DB8-9C6B-D6C7DFDC589F}" vid="{4A3C46E8-61CC-4603-A589-7422A47A8E4A}"/>
     </a:ext>
   </a:extLst>
 </a:theme>
